--- a/architecture.pptx
+++ b/architecture.pptx
@@ -6,7 +6,10 @@
   </p:sldMasterIdLst>
   <p:sldIdLst>
     <p:sldId id="256" r:id="rId2"/>
-    <p:sldId id="257" r:id="rId3"/>
+    <p:sldId id="260" r:id="rId3"/>
+    <p:sldId id="259" r:id="rId4"/>
+    <p:sldId id="257" r:id="rId5"/>
+    <p:sldId id="258" r:id="rId6"/>
   </p:sldIdLst>
   <p:sldSz cx="12192000" cy="6858000"/>
   <p:notesSz cx="6858000" cy="9144000"/>
@@ -105,6 +108,11 @@
       </a:defRPr>
     </a:lvl9pPr>
   </p:defaultTextStyle>
+  <p:extLst>
+    <p:ext uri="{EFAFB233-063F-42B5-8137-9DF3F51BA10A}">
+      <p15:sldGuideLst xmlns:p15="http://schemas.microsoft.com/office/powerpoint/2012/main"/>
+    </p:ext>
+  </p:extLst>
 </p:presentation>
 </file>
 
@@ -239,7 +247,7 @@
           <a:p>
             <a:fld id="{4960888F-C394-4137-AE6F-4AC5A8462505}" type="datetimeFigureOut">
               <a:rPr lang="zh-CN" altLang="en-US" smtClean="0"/>
-              <a:t>2017/12/11</a:t>
+              <a:t>2017/12/13</a:t>
             </a:fld>
             <a:endParaRPr lang="zh-CN" altLang="en-US"/>
           </a:p>
@@ -409,7 +417,7 @@
           <a:p>
             <a:fld id="{4960888F-C394-4137-AE6F-4AC5A8462505}" type="datetimeFigureOut">
               <a:rPr lang="zh-CN" altLang="en-US" smtClean="0"/>
-              <a:t>2017/12/11</a:t>
+              <a:t>2017/12/13</a:t>
             </a:fld>
             <a:endParaRPr lang="zh-CN" altLang="en-US"/>
           </a:p>
@@ -589,7 +597,7 @@
           <a:p>
             <a:fld id="{4960888F-C394-4137-AE6F-4AC5A8462505}" type="datetimeFigureOut">
               <a:rPr lang="zh-CN" altLang="en-US" smtClean="0"/>
-              <a:t>2017/12/11</a:t>
+              <a:t>2017/12/13</a:t>
             </a:fld>
             <a:endParaRPr lang="zh-CN" altLang="en-US"/>
           </a:p>
@@ -759,7 +767,7 @@
           <a:p>
             <a:fld id="{4960888F-C394-4137-AE6F-4AC5A8462505}" type="datetimeFigureOut">
               <a:rPr lang="zh-CN" altLang="en-US" smtClean="0"/>
-              <a:t>2017/12/11</a:t>
+              <a:t>2017/12/13</a:t>
             </a:fld>
             <a:endParaRPr lang="zh-CN" altLang="en-US"/>
           </a:p>
@@ -1005,7 +1013,7 @@
           <a:p>
             <a:fld id="{4960888F-C394-4137-AE6F-4AC5A8462505}" type="datetimeFigureOut">
               <a:rPr lang="zh-CN" altLang="en-US" smtClean="0"/>
-              <a:t>2017/12/11</a:t>
+              <a:t>2017/12/13</a:t>
             </a:fld>
             <a:endParaRPr lang="zh-CN" altLang="en-US"/>
           </a:p>
@@ -1237,7 +1245,7 @@
           <a:p>
             <a:fld id="{4960888F-C394-4137-AE6F-4AC5A8462505}" type="datetimeFigureOut">
               <a:rPr lang="zh-CN" altLang="en-US" smtClean="0"/>
-              <a:t>2017/12/11</a:t>
+              <a:t>2017/12/13</a:t>
             </a:fld>
             <a:endParaRPr lang="zh-CN" altLang="en-US"/>
           </a:p>
@@ -1604,7 +1612,7 @@
           <a:p>
             <a:fld id="{4960888F-C394-4137-AE6F-4AC5A8462505}" type="datetimeFigureOut">
               <a:rPr lang="zh-CN" altLang="en-US" smtClean="0"/>
-              <a:t>2017/12/11</a:t>
+              <a:t>2017/12/13</a:t>
             </a:fld>
             <a:endParaRPr lang="zh-CN" altLang="en-US"/>
           </a:p>
@@ -1722,7 +1730,7 @@
           <a:p>
             <a:fld id="{4960888F-C394-4137-AE6F-4AC5A8462505}" type="datetimeFigureOut">
               <a:rPr lang="zh-CN" altLang="en-US" smtClean="0"/>
-              <a:t>2017/12/11</a:t>
+              <a:t>2017/12/13</a:t>
             </a:fld>
             <a:endParaRPr lang="zh-CN" altLang="en-US"/>
           </a:p>
@@ -1817,7 +1825,7 @@
           <a:p>
             <a:fld id="{4960888F-C394-4137-AE6F-4AC5A8462505}" type="datetimeFigureOut">
               <a:rPr lang="zh-CN" altLang="en-US" smtClean="0"/>
-              <a:t>2017/12/11</a:t>
+              <a:t>2017/12/13</a:t>
             </a:fld>
             <a:endParaRPr lang="zh-CN" altLang="en-US"/>
           </a:p>
@@ -2094,7 +2102,7 @@
           <a:p>
             <a:fld id="{4960888F-C394-4137-AE6F-4AC5A8462505}" type="datetimeFigureOut">
               <a:rPr lang="zh-CN" altLang="en-US" smtClean="0"/>
-              <a:t>2017/12/11</a:t>
+              <a:t>2017/12/13</a:t>
             </a:fld>
             <a:endParaRPr lang="zh-CN" altLang="en-US"/>
           </a:p>
@@ -2347,7 +2355,7 @@
           <a:p>
             <a:fld id="{4960888F-C394-4137-AE6F-4AC5A8462505}" type="datetimeFigureOut">
               <a:rPr lang="zh-CN" altLang="en-US" smtClean="0"/>
-              <a:t>2017/12/11</a:t>
+              <a:t>2017/12/13</a:t>
             </a:fld>
             <a:endParaRPr lang="zh-CN" altLang="en-US"/>
           </a:p>
@@ -2560,7 +2568,7 @@
           <a:p>
             <a:fld id="{4960888F-C394-4137-AE6F-4AC5A8462505}" type="datetimeFigureOut">
               <a:rPr lang="zh-CN" altLang="en-US" smtClean="0"/>
-              <a:t>2017/12/11</a:t>
+              <a:t>2017/12/13</a:t>
             </a:fld>
             <a:endParaRPr lang="zh-CN" altLang="en-US"/>
           </a:p>
@@ -3043,14 +3051,429 @@
       </p:grpSpPr>
       <p:sp>
         <p:nvSpPr>
+          <p:cNvPr id="2" name="标题 1"/>
+          <p:cNvSpPr>
+            <a:spLocks noGrp="1"/>
+          </p:cNvSpPr>
+          <p:nvPr>
+            <p:ph type="title"/>
+          </p:nvPr>
+        </p:nvSpPr>
+        <p:spPr/>
+        <p:txBody>
+          <a:bodyPr/>
+          <a:lstStyle/>
+          <a:p>
+            <a:r>
+              <a:rPr kumimoji="1" lang="zh-CN" altLang="en-US" dirty="0" smtClean="0"/>
+              <a:t>游戏</a:t>
+            </a:r>
+            <a:endParaRPr kumimoji="1" lang="zh-CN" altLang="en-US" dirty="0"/>
+          </a:p>
+        </p:txBody>
+      </p:sp>
+      <p:sp>
+        <p:nvSpPr>
+          <p:cNvPr id="3" name="内容占位符 2"/>
+          <p:cNvSpPr>
+            <a:spLocks noGrp="1"/>
+          </p:cNvSpPr>
+          <p:nvPr>
+            <p:ph idx="1"/>
+          </p:nvPr>
+        </p:nvSpPr>
+        <p:spPr/>
+        <p:txBody>
+          <a:bodyPr/>
+          <a:lstStyle/>
+          <a:p>
+            <a:r>
+              <a:rPr kumimoji="1" lang="zh-CN" altLang="en-US" dirty="0" smtClean="0"/>
+              <a:t>运气</a:t>
+            </a:r>
+            <a:endParaRPr kumimoji="1" lang="en-US" altLang="zh-CN" dirty="0" smtClean="0"/>
+          </a:p>
+          <a:p>
+            <a:pPr lvl="1"/>
+            <a:r>
+              <a:rPr kumimoji="1" lang="zh-CN" altLang="en-US" dirty="0" smtClean="0"/>
+              <a:t>利用未发生的事情来进行猜测。</a:t>
+            </a:r>
+            <a:endParaRPr kumimoji="1" lang="en-US" altLang="zh-CN" dirty="0" smtClean="0"/>
+          </a:p>
+          <a:p>
+            <a:r>
+              <a:rPr kumimoji="1" lang="zh-CN" altLang="en-US" dirty="0" smtClean="0"/>
+              <a:t>砸金蛋</a:t>
+            </a:r>
+            <a:endParaRPr kumimoji="1" lang="en-US" altLang="zh-CN" dirty="0" smtClean="0"/>
+          </a:p>
+          <a:p>
+            <a:r>
+              <a:rPr kumimoji="1" lang="zh-CN" altLang="en-US" dirty="0" smtClean="0"/>
+              <a:t>猜塞子点数</a:t>
+            </a:r>
+            <a:endParaRPr kumimoji="1" lang="en-US" altLang="zh-CN" dirty="0" smtClean="0"/>
+          </a:p>
+          <a:p>
+            <a:r>
+              <a:rPr kumimoji="1" lang="zh-CN" altLang="en-US" dirty="0" smtClean="0"/>
+              <a:t>猜扑克</a:t>
+            </a:r>
+            <a:endParaRPr kumimoji="1" lang="en-US" altLang="zh-CN" dirty="0" smtClean="0"/>
+          </a:p>
+          <a:p>
+            <a:r>
+              <a:rPr kumimoji="1" lang="zh-CN" altLang="en-US" smtClean="0"/>
+              <a:t>猜豆子</a:t>
+            </a:r>
+            <a:endParaRPr kumimoji="1" lang="en-US" altLang="zh-CN" dirty="0" smtClean="0"/>
+          </a:p>
+        </p:txBody>
+      </p:sp>
+    </p:spTree>
+    <p:extLst>
+      <p:ext uri="{BB962C8B-B14F-4D97-AF65-F5344CB8AC3E}">
+        <p14:creationId xmlns:p14="http://schemas.microsoft.com/office/powerpoint/2010/main" val="151137262"/>
+      </p:ext>
+    </p:extLst>
+  </p:cSld>
+  <p:clrMapOvr>
+    <a:masterClrMapping/>
+  </p:clrMapOvr>
+</p:sld>
+</file>
+
+<file path=ppt/slides/slide3.xml><?xml version="1.0" encoding="utf-8"?>
+<p:sld xmlns:a="http://schemas.openxmlformats.org/drawingml/2006/main" xmlns:r="http://schemas.openxmlformats.org/officeDocument/2006/relationships" xmlns:p="http://schemas.openxmlformats.org/presentationml/2006/main">
+  <p:cSld>
+    <p:spTree>
+      <p:nvGrpSpPr>
+        <p:cNvPr id="1" name=""/>
+        <p:cNvGrpSpPr/>
+        <p:nvPr/>
+      </p:nvGrpSpPr>
+      <p:grpSpPr>
+        <a:xfrm>
+          <a:off x="0" y="0"/>
+          <a:ext cx="0" cy="0"/>
+          <a:chOff x="0" y="0"/>
+          <a:chExt cx="0" cy="0"/>
+        </a:xfrm>
+      </p:grpSpPr>
+      <p:sp>
+        <p:nvSpPr>
+          <p:cNvPr id="2" name="标题 1"/>
+          <p:cNvSpPr>
+            <a:spLocks noGrp="1"/>
+          </p:cNvSpPr>
+          <p:nvPr>
+            <p:ph type="title"/>
+          </p:nvPr>
+        </p:nvSpPr>
+        <p:spPr/>
+        <p:txBody>
+          <a:bodyPr/>
+          <a:lstStyle/>
+          <a:p>
+            <a:r>
+              <a:rPr kumimoji="1" lang="zh-CN" altLang="en-US" dirty="0" smtClean="0"/>
+              <a:t>整体框架</a:t>
+            </a:r>
+            <a:endParaRPr kumimoji="1" lang="zh-CN" altLang="en-US" dirty="0"/>
+          </a:p>
+        </p:txBody>
+      </p:sp>
+      <p:sp>
+        <p:nvSpPr>
           <p:cNvPr id="4" name="矩形 3"/>
           <p:cNvSpPr/>
           <p:nvPr/>
         </p:nvSpPr>
         <p:spPr>
           <a:xfrm>
-            <a:off x="1351125" y="586852"/>
-            <a:ext cx="9553432" cy="1856095"/>
+            <a:off x="3543299" y="1690688"/>
+            <a:ext cx="4229101" cy="5057775"/>
+          </a:xfrm>
+          <a:prstGeom prst="rect">
+            <a:avLst/>
+          </a:prstGeom>
+          <a:noFill/>
+          <a:ln>
+            <a:solidFill>
+              <a:schemeClr val="tx2"/>
+            </a:solidFill>
+          </a:ln>
+        </p:spPr>
+        <p:style>
+          <a:lnRef idx="2">
+            <a:schemeClr val="accent1">
+              <a:shade val="50000"/>
+            </a:schemeClr>
+          </a:lnRef>
+          <a:fillRef idx="1">
+            <a:schemeClr val="accent1"/>
+          </a:fillRef>
+          <a:effectRef idx="0">
+            <a:schemeClr val="accent1"/>
+          </a:effectRef>
+          <a:fontRef idx="minor">
+            <a:schemeClr val="lt1"/>
+          </a:fontRef>
+        </p:style>
+        <p:txBody>
+          <a:bodyPr rtlCol="0" anchor="ctr"/>
+          <a:lstStyle/>
+          <a:p>
+            <a:pPr algn="ctr"/>
+            <a:endParaRPr kumimoji="1" lang="zh-CN" altLang="en-US"/>
+          </a:p>
+        </p:txBody>
+      </p:sp>
+      <p:sp>
+        <p:nvSpPr>
+          <p:cNvPr id="5" name="矩形 4"/>
+          <p:cNvSpPr/>
+          <p:nvPr/>
+        </p:nvSpPr>
+        <p:spPr>
+          <a:xfrm>
+            <a:off x="3543299" y="1690688"/>
+            <a:ext cx="4229101" cy="1123950"/>
+          </a:xfrm>
+          <a:prstGeom prst="rect">
+            <a:avLst/>
+          </a:prstGeom>
+          <a:solidFill>
+            <a:schemeClr val="accent2"/>
+          </a:solidFill>
+          <a:ln>
+            <a:noFill/>
+          </a:ln>
+        </p:spPr>
+        <p:style>
+          <a:lnRef idx="2">
+            <a:schemeClr val="accent1">
+              <a:shade val="50000"/>
+            </a:schemeClr>
+          </a:lnRef>
+          <a:fillRef idx="1">
+            <a:schemeClr val="accent1"/>
+          </a:fillRef>
+          <a:effectRef idx="0">
+            <a:schemeClr val="accent1"/>
+          </a:effectRef>
+          <a:fontRef idx="minor">
+            <a:schemeClr val="lt1"/>
+          </a:fontRef>
+        </p:style>
+        <p:txBody>
+          <a:bodyPr rtlCol="0" anchor="ctr"/>
+          <a:lstStyle/>
+          <a:p>
+            <a:pPr algn="ctr"/>
+            <a:r>
+              <a:rPr kumimoji="1" lang="zh-CN" altLang="en-US" dirty="0" smtClean="0"/>
+              <a:t>广告牌</a:t>
+            </a:r>
+            <a:endParaRPr kumimoji="1" lang="zh-CN" altLang="en-US" dirty="0"/>
+          </a:p>
+        </p:txBody>
+      </p:sp>
+      <p:sp>
+        <p:nvSpPr>
+          <p:cNvPr id="6" name="矩形 5"/>
+          <p:cNvSpPr/>
+          <p:nvPr/>
+        </p:nvSpPr>
+        <p:spPr>
+          <a:xfrm>
+            <a:off x="3543298" y="2814638"/>
+            <a:ext cx="4229101" cy="585788"/>
+          </a:xfrm>
+          <a:prstGeom prst="rect">
+            <a:avLst/>
+          </a:prstGeom>
+          <a:solidFill>
+            <a:schemeClr val="accent4">
+              <a:lumMod val="75000"/>
+            </a:schemeClr>
+          </a:solidFill>
+          <a:ln>
+            <a:noFill/>
+          </a:ln>
+        </p:spPr>
+        <p:style>
+          <a:lnRef idx="2">
+            <a:schemeClr val="accent1">
+              <a:shade val="50000"/>
+            </a:schemeClr>
+          </a:lnRef>
+          <a:fillRef idx="1">
+            <a:schemeClr val="accent1"/>
+          </a:fillRef>
+          <a:effectRef idx="0">
+            <a:schemeClr val="accent1"/>
+          </a:effectRef>
+          <a:fontRef idx="minor">
+            <a:schemeClr val="lt1"/>
+          </a:fontRef>
+        </p:style>
+        <p:txBody>
+          <a:bodyPr rtlCol="0" anchor="ctr"/>
+          <a:lstStyle/>
+          <a:p>
+            <a:pPr algn="ctr"/>
+            <a:r>
+              <a:rPr kumimoji="1" lang="zh-CN" altLang="en-US" smtClean="0"/>
+              <a:t>便捷内容</a:t>
+            </a:r>
+            <a:endParaRPr kumimoji="1" lang="zh-CN" altLang="en-US" dirty="0"/>
+          </a:p>
+        </p:txBody>
+      </p:sp>
+      <p:sp>
+        <p:nvSpPr>
+          <p:cNvPr id="7" name="矩形 6"/>
+          <p:cNvSpPr/>
+          <p:nvPr/>
+        </p:nvSpPr>
+        <p:spPr>
+          <a:xfrm>
+            <a:off x="3543298" y="3400425"/>
+            <a:ext cx="4229101" cy="2686049"/>
+          </a:xfrm>
+          <a:prstGeom prst="rect">
+            <a:avLst/>
+          </a:prstGeom>
+          <a:solidFill>
+            <a:schemeClr val="accent6"/>
+          </a:solidFill>
+          <a:ln>
+            <a:noFill/>
+          </a:ln>
+        </p:spPr>
+        <p:style>
+          <a:lnRef idx="2">
+            <a:schemeClr val="accent1">
+              <a:shade val="50000"/>
+            </a:schemeClr>
+          </a:lnRef>
+          <a:fillRef idx="1">
+            <a:schemeClr val="accent1"/>
+          </a:fillRef>
+          <a:effectRef idx="0">
+            <a:schemeClr val="accent1"/>
+          </a:effectRef>
+          <a:fontRef idx="minor">
+            <a:schemeClr val="lt1"/>
+          </a:fontRef>
+        </p:style>
+        <p:txBody>
+          <a:bodyPr rtlCol="0" anchor="ctr"/>
+          <a:lstStyle/>
+          <a:p>
+            <a:pPr algn="ctr"/>
+            <a:r>
+              <a:rPr kumimoji="1" lang="zh-CN" altLang="en-US" dirty="0" smtClean="0"/>
+              <a:t>核心内容</a:t>
+            </a:r>
+            <a:endParaRPr kumimoji="1" lang="zh-CN" altLang="en-US" dirty="0"/>
+          </a:p>
+        </p:txBody>
+      </p:sp>
+      <p:sp>
+        <p:nvSpPr>
+          <p:cNvPr id="8" name="矩形 7"/>
+          <p:cNvSpPr/>
+          <p:nvPr/>
+        </p:nvSpPr>
+        <p:spPr>
+          <a:xfrm>
+            <a:off x="3543297" y="6086473"/>
+            <a:ext cx="4229101" cy="661989"/>
+          </a:xfrm>
+          <a:prstGeom prst="rect">
+            <a:avLst/>
+          </a:prstGeom>
+          <a:solidFill>
+            <a:schemeClr val="bg1">
+              <a:lumMod val="50000"/>
+            </a:schemeClr>
+          </a:solidFill>
+          <a:ln>
+            <a:noFill/>
+          </a:ln>
+        </p:spPr>
+        <p:style>
+          <a:lnRef idx="2">
+            <a:schemeClr val="accent1">
+              <a:shade val="50000"/>
+            </a:schemeClr>
+          </a:lnRef>
+          <a:fillRef idx="1">
+            <a:schemeClr val="accent1"/>
+          </a:fillRef>
+          <a:effectRef idx="0">
+            <a:schemeClr val="accent1"/>
+          </a:effectRef>
+          <a:fontRef idx="minor">
+            <a:schemeClr val="lt1"/>
+          </a:fontRef>
+        </p:style>
+        <p:txBody>
+          <a:bodyPr rtlCol="0" anchor="ctr"/>
+          <a:lstStyle/>
+          <a:p>
+            <a:pPr algn="ctr"/>
+            <a:r>
+              <a:rPr kumimoji="1" lang="zh-CN" altLang="en-US" dirty="0" smtClean="0"/>
+              <a:t>尾部内容</a:t>
+            </a:r>
+            <a:endParaRPr kumimoji="1" lang="zh-CN" altLang="en-US" dirty="0"/>
+          </a:p>
+        </p:txBody>
+      </p:sp>
+    </p:spTree>
+    <p:extLst>
+      <p:ext uri="{BB962C8B-B14F-4D97-AF65-F5344CB8AC3E}">
+        <p14:creationId xmlns:p14="http://schemas.microsoft.com/office/powerpoint/2010/main" val="1410743612"/>
+      </p:ext>
+    </p:extLst>
+  </p:cSld>
+  <p:clrMapOvr>
+    <a:masterClrMapping/>
+  </p:clrMapOvr>
+</p:sld>
+</file>
+
+<file path=ppt/slides/slide4.xml><?xml version="1.0" encoding="utf-8"?>
+<p:sld xmlns:a="http://schemas.openxmlformats.org/drawingml/2006/main" xmlns:r="http://schemas.openxmlformats.org/officeDocument/2006/relationships" xmlns:p="http://schemas.openxmlformats.org/presentationml/2006/main">
+  <p:cSld>
+    <p:spTree>
+      <p:nvGrpSpPr>
+        <p:cNvPr id="1" name=""/>
+        <p:cNvGrpSpPr/>
+        <p:nvPr/>
+      </p:nvGrpSpPr>
+      <p:grpSpPr>
+        <a:xfrm>
+          <a:off x="0" y="0"/>
+          <a:ext cx="0" cy="0"/>
+          <a:chOff x="0" y="0"/>
+          <a:chExt cx="0" cy="0"/>
+        </a:xfrm>
+      </p:grpSpPr>
+      <p:sp>
+        <p:nvSpPr>
+          <p:cNvPr id="33" name="矩形 32"/>
+          <p:cNvSpPr/>
+          <p:nvPr/>
+        </p:nvSpPr>
+        <p:spPr>
+          <a:xfrm>
+            <a:off x="1235540" y="3657570"/>
+            <a:ext cx="9553432" cy="1323189"/>
           </a:xfrm>
           <a:prstGeom prst="rect">
             <a:avLst/>
@@ -3083,44 +3506,14 @@
       </p:sp>
       <p:sp>
         <p:nvSpPr>
-          <p:cNvPr id="5" name="文本框 4"/>
-          <p:cNvSpPr txBox="1"/>
+          <p:cNvPr id="4" name="矩形 3"/>
+          <p:cNvSpPr/>
           <p:nvPr/>
         </p:nvSpPr>
         <p:spPr>
           <a:xfrm>
-            <a:off x="1378420" y="668738"/>
-            <a:ext cx="1460311" cy="369332"/>
-          </a:xfrm>
-          <a:prstGeom prst="rect">
-            <a:avLst/>
-          </a:prstGeom>
-          <a:noFill/>
-        </p:spPr>
-        <p:txBody>
-          <a:bodyPr wrap="square" rtlCol="0">
-            <a:spAutoFit/>
-          </a:bodyPr>
-          <a:lstStyle/>
-          <a:p>
-            <a:r>
-              <a:rPr lang="en-US" altLang="zh-CN" dirty="0" smtClean="0"/>
-              <a:t>Front-service</a:t>
-            </a:r>
-            <a:endParaRPr lang="zh-CN" altLang="en-US" dirty="0"/>
-          </a:p>
-        </p:txBody>
-      </p:sp>
-      <p:sp>
-        <p:nvSpPr>
-          <p:cNvPr id="6" name="矩形 5"/>
-          <p:cNvSpPr/>
-          <p:nvPr/>
-        </p:nvSpPr>
-        <p:spPr>
-          <a:xfrm>
-            <a:off x="1351125" y="2608985"/>
-            <a:ext cx="9553432" cy="1856095"/>
+            <a:off x="1208245" y="458252"/>
+            <a:ext cx="9553432" cy="518040"/>
           </a:xfrm>
           <a:prstGeom prst="rect">
             <a:avLst/>
@@ -3147,49 +3540,24 @@
           <a:lstStyle/>
           <a:p>
             <a:pPr algn="ctr"/>
-            <a:endParaRPr lang="zh-CN" altLang="en-US"/>
-          </a:p>
-        </p:txBody>
-      </p:sp>
-      <p:sp>
-        <p:nvSpPr>
-          <p:cNvPr id="7" name="文本框 6"/>
-          <p:cNvSpPr txBox="1"/>
+            <a:r>
+              <a:rPr lang="en-US" altLang="zh-CN" dirty="0" smtClean="0"/>
+              <a:t>Entry-H5/Entry-IOS/Entry-Android</a:t>
+            </a:r>
+            <a:endParaRPr lang="zh-CN" altLang="en-US" dirty="0"/>
+          </a:p>
+        </p:txBody>
+      </p:sp>
+      <p:sp>
+        <p:nvSpPr>
+          <p:cNvPr id="6" name="矩形 5"/>
+          <p:cNvSpPr/>
           <p:nvPr/>
         </p:nvSpPr>
         <p:spPr>
           <a:xfrm>
-            <a:off x="1378420" y="2608985"/>
-            <a:ext cx="1746913" cy="369332"/>
-          </a:xfrm>
-          <a:prstGeom prst="rect">
-            <a:avLst/>
-          </a:prstGeom>
-          <a:noFill/>
-        </p:spPr>
-        <p:txBody>
-          <a:bodyPr wrap="square" rtlCol="0">
-            <a:spAutoFit/>
-          </a:bodyPr>
-          <a:lstStyle/>
-          <a:p>
-            <a:r>
-              <a:rPr lang="en-US" altLang="zh-CN" dirty="0" smtClean="0"/>
-              <a:t>Backend-service</a:t>
-            </a:r>
-          </a:p>
-        </p:txBody>
-      </p:sp>
-      <p:sp>
-        <p:nvSpPr>
-          <p:cNvPr id="8" name="矩形 7"/>
-          <p:cNvSpPr/>
-          <p:nvPr/>
-        </p:nvSpPr>
-        <p:spPr>
-          <a:xfrm>
-            <a:off x="1351125" y="4660709"/>
-            <a:ext cx="9553432" cy="1856095"/>
+            <a:off x="1235540" y="1149754"/>
+            <a:ext cx="9553432" cy="2322104"/>
           </a:xfrm>
           <a:prstGeom prst="rect">
             <a:avLst/>
@@ -3222,13 +3590,13 @@
       </p:sp>
       <p:sp>
         <p:nvSpPr>
-          <p:cNvPr id="9" name="文本框 8"/>
+          <p:cNvPr id="7" name="文本框 6"/>
           <p:cNvSpPr txBox="1"/>
           <p:nvPr/>
         </p:nvSpPr>
         <p:spPr>
           <a:xfrm>
-            <a:off x="1378420" y="4660709"/>
+            <a:off x="1235540" y="1212287"/>
             <a:ext cx="1746913" cy="369332"/>
           </a:xfrm>
           <a:prstGeom prst="rect">
@@ -3244,21 +3612,26 @@
           <a:p>
             <a:r>
               <a:rPr lang="en-US" altLang="zh-CN" dirty="0" smtClean="0"/>
-              <a:t>basic-service</a:t>
-            </a:r>
-          </a:p>
-        </p:txBody>
-      </p:sp>
-      <p:sp>
-        <p:nvSpPr>
-          <p:cNvPr id="10" name="矩形 9"/>
+              <a:t>Business</a:t>
+            </a:r>
+            <a:r>
+              <a:rPr lang="en-US" altLang="zh-CN" dirty="0" smtClean="0"/>
+              <a:t>-service</a:t>
+            </a:r>
+            <a:endParaRPr lang="en-US" altLang="zh-CN" dirty="0" smtClean="0"/>
+          </a:p>
+        </p:txBody>
+      </p:sp>
+      <p:sp>
+        <p:nvSpPr>
+          <p:cNvPr id="8" name="矩形 7"/>
           <p:cNvSpPr/>
           <p:nvPr/>
         </p:nvSpPr>
         <p:spPr>
           <a:xfrm>
-            <a:off x="1705967" y="5145204"/>
-            <a:ext cx="1869744" cy="382137"/>
+            <a:off x="1208245" y="5145523"/>
+            <a:ext cx="9553432" cy="1154311"/>
           </a:xfrm>
           <a:prstGeom prst="rect">
             <a:avLst/>
@@ -3285,24 +3658,58 @@
           <a:lstStyle/>
           <a:p>
             <a:pPr algn="ctr"/>
+            <a:endParaRPr lang="zh-CN" altLang="en-US"/>
+          </a:p>
+        </p:txBody>
+      </p:sp>
+      <p:sp>
+        <p:nvSpPr>
+          <p:cNvPr id="9" name="文本框 8"/>
+          <p:cNvSpPr txBox="1"/>
+          <p:nvPr/>
+        </p:nvSpPr>
+        <p:spPr>
+          <a:xfrm>
+            <a:off x="1208245" y="5145523"/>
+            <a:ext cx="4179231" cy="369332"/>
+          </a:xfrm>
+          <a:prstGeom prst="rect">
+            <a:avLst/>
+          </a:prstGeom>
+          <a:noFill/>
+        </p:spPr>
+        <p:txBody>
+          <a:bodyPr wrap="square" rtlCol="0">
+            <a:spAutoFit/>
+          </a:bodyPr>
+          <a:lstStyle/>
+          <a:p>
             <a:r>
               <a:rPr lang="en-US" altLang="zh-CN" dirty="0" smtClean="0"/>
-              <a:t>expert-service</a:t>
-            </a:r>
-            <a:endParaRPr lang="zh-CN" altLang="en-US" dirty="0"/>
-          </a:p>
-        </p:txBody>
-      </p:sp>
-      <p:sp>
-        <p:nvSpPr>
-          <p:cNvPr id="12" name="矩形 11"/>
+              <a:t>Operation</a:t>
+            </a:r>
+            <a:r>
+              <a:rPr lang="zh-CN" altLang="en-US" dirty="0" smtClean="0"/>
+              <a:t> </a:t>
+            </a:r>
+            <a:r>
+              <a:rPr lang="en-US" altLang="zh-CN" dirty="0" smtClean="0"/>
+              <a:t>and maintenance</a:t>
+            </a:r>
+            <a:endParaRPr lang="en-US" altLang="zh-CN" dirty="0" smtClean="0"/>
+          </a:p>
+        </p:txBody>
+      </p:sp>
+      <p:sp>
+        <p:nvSpPr>
+          <p:cNvPr id="21" name="矩形 20"/>
           <p:cNvSpPr/>
           <p:nvPr/>
         </p:nvSpPr>
         <p:spPr>
           <a:xfrm>
-            <a:off x="3998792" y="5145204"/>
-            <a:ext cx="2634016" cy="382137"/>
+            <a:off x="4545513" y="1446932"/>
+            <a:ext cx="2058511" cy="292581"/>
           </a:xfrm>
           <a:prstGeom prst="rect">
             <a:avLst/>
@@ -3330,12 +3737,12 @@
           <a:p>
             <a:pPr algn="ctr"/>
             <a:r>
-              <a:rPr lang="en-US" altLang="zh-CN" dirty="0"/>
-              <a:t>c</a:t>
+              <a:rPr lang="en-US" altLang="zh-CN" dirty="0" err="1" smtClean="0"/>
+              <a:t>dohko</a:t>
             </a:r>
             <a:r>
               <a:rPr lang="en-US" altLang="zh-CN" dirty="0" smtClean="0"/>
-              <a:t>apture-match-service</a:t>
+              <a:t>-gateway</a:t>
             </a:r>
             <a:endParaRPr lang="zh-CN" altLang="en-US" dirty="0"/>
           </a:p>
@@ -3343,301 +3750,13 @@
       </p:sp>
       <p:sp>
         <p:nvSpPr>
-          <p:cNvPr id="13" name="矩形 12"/>
+          <p:cNvPr id="24" name="矩形 23"/>
           <p:cNvSpPr/>
           <p:nvPr/>
         </p:nvSpPr>
         <p:spPr>
           <a:xfrm>
-            <a:off x="7055889" y="5145204"/>
-            <a:ext cx="2634016" cy="382137"/>
-          </a:xfrm>
-          <a:prstGeom prst="rect">
-            <a:avLst/>
-          </a:prstGeom>
-        </p:spPr>
-        <p:style>
-          <a:lnRef idx="2">
-            <a:schemeClr val="accent1">
-              <a:shade val="50000"/>
-            </a:schemeClr>
-          </a:lnRef>
-          <a:fillRef idx="1">
-            <a:schemeClr val="accent1"/>
-          </a:fillRef>
-          <a:effectRef idx="0">
-            <a:schemeClr val="accent1"/>
-          </a:effectRef>
-          <a:fontRef idx="minor">
-            <a:schemeClr val="lt1"/>
-          </a:fontRef>
-        </p:style>
-        <p:txBody>
-          <a:bodyPr rtlCol="0" anchor="ctr"/>
-          <a:lstStyle/>
-          <a:p>
-            <a:pPr algn="ctr"/>
-            <a:r>
-              <a:rPr lang="en-US" altLang="zh-CN" dirty="0" smtClean="0"/>
-              <a:t>capture-</a:t>
-            </a:r>
-            <a:r>
-              <a:rPr lang="en-US" altLang="zh-CN" dirty="0" err="1" smtClean="0"/>
-              <a:t>opencode</a:t>
-            </a:r>
-            <a:r>
-              <a:rPr lang="en-US" altLang="zh-CN" dirty="0" smtClean="0"/>
-              <a:t>-service</a:t>
-            </a:r>
-            <a:endParaRPr lang="zh-CN" altLang="en-US" dirty="0"/>
-          </a:p>
-        </p:txBody>
-      </p:sp>
-      <p:sp>
-        <p:nvSpPr>
-          <p:cNvPr id="14" name="矩形 13"/>
-          <p:cNvSpPr/>
-          <p:nvPr/>
-        </p:nvSpPr>
-        <p:spPr>
-          <a:xfrm>
-            <a:off x="1705967" y="5722970"/>
-            <a:ext cx="2634016" cy="382137"/>
-          </a:xfrm>
-          <a:prstGeom prst="rect">
-            <a:avLst/>
-          </a:prstGeom>
-        </p:spPr>
-        <p:style>
-          <a:lnRef idx="2">
-            <a:schemeClr val="accent1">
-              <a:shade val="50000"/>
-            </a:schemeClr>
-          </a:lnRef>
-          <a:fillRef idx="1">
-            <a:schemeClr val="accent1"/>
-          </a:fillRef>
-          <a:effectRef idx="0">
-            <a:schemeClr val="accent1"/>
-          </a:effectRef>
-          <a:fontRef idx="minor">
-            <a:schemeClr val="lt1"/>
-          </a:fontRef>
-        </p:style>
-        <p:txBody>
-          <a:bodyPr rtlCol="0" anchor="ctr"/>
-          <a:lstStyle/>
-          <a:p>
-            <a:pPr algn="ctr"/>
-            <a:r>
-              <a:rPr lang="en-US" altLang="zh-CN" dirty="0" smtClean="0"/>
-              <a:t>capture-info-service</a:t>
-            </a:r>
-            <a:endParaRPr lang="zh-CN" altLang="en-US" dirty="0"/>
-          </a:p>
-        </p:txBody>
-      </p:sp>
-      <p:sp>
-        <p:nvSpPr>
-          <p:cNvPr id="15" name="矩形 14"/>
-          <p:cNvSpPr/>
-          <p:nvPr/>
-        </p:nvSpPr>
-        <p:spPr>
-          <a:xfrm>
-            <a:off x="4708472" y="5722970"/>
-            <a:ext cx="2634016" cy="382137"/>
-          </a:xfrm>
-          <a:prstGeom prst="rect">
-            <a:avLst/>
-          </a:prstGeom>
-        </p:spPr>
-        <p:style>
-          <a:lnRef idx="2">
-            <a:schemeClr val="accent1">
-              <a:shade val="50000"/>
-            </a:schemeClr>
-          </a:lnRef>
-          <a:fillRef idx="1">
-            <a:schemeClr val="accent1"/>
-          </a:fillRef>
-          <a:effectRef idx="0">
-            <a:schemeClr val="accent1"/>
-          </a:effectRef>
-          <a:fontRef idx="minor">
-            <a:schemeClr val="lt1"/>
-          </a:fontRef>
-        </p:style>
-        <p:txBody>
-          <a:bodyPr rtlCol="0" anchor="ctr"/>
-          <a:lstStyle/>
-          <a:p>
-            <a:pPr algn="ctr"/>
-            <a:r>
-              <a:rPr lang="en-US" altLang="zh-CN" dirty="0" err="1"/>
-              <a:t>a</a:t>
-            </a:r>
-            <a:r>
-              <a:rPr lang="en-US" altLang="zh-CN" dirty="0" err="1" smtClean="0"/>
-              <a:t>utogen</a:t>
-            </a:r>
-            <a:r>
-              <a:rPr lang="en-US" altLang="zh-CN" dirty="0" smtClean="0"/>
-              <a:t>-expert-service</a:t>
-            </a:r>
-            <a:endParaRPr lang="zh-CN" altLang="en-US" dirty="0"/>
-          </a:p>
-        </p:txBody>
-      </p:sp>
-      <p:sp>
-        <p:nvSpPr>
-          <p:cNvPr id="16" name="矩形 15"/>
-          <p:cNvSpPr/>
-          <p:nvPr/>
-        </p:nvSpPr>
-        <p:spPr>
-          <a:xfrm>
-            <a:off x="-1009933" y="586852"/>
-            <a:ext cx="2169994" cy="5929952"/>
-          </a:xfrm>
-          <a:prstGeom prst="rect">
-            <a:avLst/>
-          </a:prstGeom>
-        </p:spPr>
-        <p:style>
-          <a:lnRef idx="2">
-            <a:schemeClr val="accent1">
-              <a:shade val="50000"/>
-            </a:schemeClr>
-          </a:lnRef>
-          <a:fillRef idx="1">
-            <a:schemeClr val="accent1"/>
-          </a:fillRef>
-          <a:effectRef idx="0">
-            <a:schemeClr val="accent1"/>
-          </a:effectRef>
-          <a:fontRef idx="minor">
-            <a:schemeClr val="lt1"/>
-          </a:fontRef>
-        </p:style>
-        <p:txBody>
-          <a:bodyPr rtlCol="0" anchor="ctr"/>
-          <a:lstStyle/>
-          <a:p>
-            <a:pPr algn="ctr"/>
-            <a:endParaRPr lang="zh-CN" altLang="en-US"/>
-          </a:p>
-        </p:txBody>
-      </p:sp>
-      <p:sp>
-        <p:nvSpPr>
-          <p:cNvPr id="17" name="文本框 16"/>
-          <p:cNvSpPr txBox="1"/>
-          <p:nvPr/>
-        </p:nvSpPr>
-        <p:spPr>
-          <a:xfrm>
-            <a:off x="-832513" y="777922"/>
-            <a:ext cx="1787856" cy="369332"/>
-          </a:xfrm>
-          <a:prstGeom prst="rect">
-            <a:avLst/>
-          </a:prstGeom>
-          <a:noFill/>
-        </p:spPr>
-        <p:txBody>
-          <a:bodyPr wrap="square" rtlCol="0">
-            <a:spAutoFit/>
-          </a:bodyPr>
-          <a:lstStyle/>
-          <a:p>
-            <a:r>
-              <a:rPr lang="en-US" altLang="zh-CN" dirty="0" smtClean="0"/>
-              <a:t>Monitor-service</a:t>
-            </a:r>
-            <a:endParaRPr lang="zh-CN" altLang="en-US" dirty="0"/>
-          </a:p>
-        </p:txBody>
-      </p:sp>
-      <p:sp>
-        <p:nvSpPr>
-          <p:cNvPr id="18" name="矩形 17"/>
-          <p:cNvSpPr/>
-          <p:nvPr/>
-        </p:nvSpPr>
-        <p:spPr>
-          <a:xfrm>
-            <a:off x="11095612" y="572056"/>
-            <a:ext cx="2169994" cy="5929952"/>
-          </a:xfrm>
-          <a:prstGeom prst="rect">
-            <a:avLst/>
-          </a:prstGeom>
-        </p:spPr>
-        <p:style>
-          <a:lnRef idx="2">
-            <a:schemeClr val="accent1">
-              <a:shade val="50000"/>
-            </a:schemeClr>
-          </a:lnRef>
-          <a:fillRef idx="1">
-            <a:schemeClr val="accent1"/>
-          </a:fillRef>
-          <a:effectRef idx="0">
-            <a:schemeClr val="accent1"/>
-          </a:effectRef>
-          <a:fontRef idx="minor">
-            <a:schemeClr val="lt1"/>
-          </a:fontRef>
-        </p:style>
-        <p:txBody>
-          <a:bodyPr rtlCol="0" anchor="ctr"/>
-          <a:lstStyle/>
-          <a:p>
-            <a:pPr algn="ctr"/>
-            <a:endParaRPr lang="zh-CN" altLang="en-US"/>
-          </a:p>
-        </p:txBody>
-      </p:sp>
-      <p:sp>
-        <p:nvSpPr>
-          <p:cNvPr id="19" name="文本框 18"/>
-          <p:cNvSpPr txBox="1"/>
-          <p:nvPr/>
-        </p:nvSpPr>
-        <p:spPr>
-          <a:xfrm>
-            <a:off x="11286681" y="607747"/>
-            <a:ext cx="1787856" cy="369332"/>
-          </a:xfrm>
-          <a:prstGeom prst="rect">
-            <a:avLst/>
-          </a:prstGeom>
-          <a:noFill/>
-        </p:spPr>
-        <p:txBody>
-          <a:bodyPr wrap="square" rtlCol="0">
-            <a:spAutoFit/>
-          </a:bodyPr>
-          <a:lstStyle/>
-          <a:p>
-            <a:r>
-              <a:rPr lang="en-US" altLang="zh-CN" dirty="0" smtClean="0"/>
-              <a:t>interface-service</a:t>
-            </a:r>
-            <a:endParaRPr lang="zh-CN" altLang="en-US" dirty="0"/>
-          </a:p>
-        </p:txBody>
-      </p:sp>
-      <p:sp>
-        <p:nvSpPr>
-          <p:cNvPr id="21" name="矩形 20"/>
-          <p:cNvSpPr/>
-          <p:nvPr/>
-        </p:nvSpPr>
-        <p:spPr>
-          <a:xfrm>
-            <a:off x="1787846" y="1147254"/>
+            <a:off x="1400195" y="2127953"/>
             <a:ext cx="2088107" cy="367645"/>
           </a:xfrm>
           <a:prstGeom prst="rect">
@@ -3667,11 +3786,7 @@
             <a:pPr algn="ctr"/>
             <a:r>
               <a:rPr lang="en-US" altLang="zh-CN" dirty="0" err="1" smtClean="0"/>
-              <a:t>springboot</a:t>
-            </a:r>
-            <a:r>
-              <a:rPr lang="en-US" altLang="zh-CN" dirty="0" smtClean="0"/>
-              <a:t>-trade</a:t>
+              <a:t>dohko-auth</a:t>
             </a:r>
             <a:endParaRPr lang="zh-CN" altLang="en-US" dirty="0"/>
           </a:p>
@@ -3679,13 +3794,13 @@
       </p:sp>
       <p:sp>
         <p:nvSpPr>
-          <p:cNvPr id="22" name="矩形 21"/>
+          <p:cNvPr id="25" name="矩形 24"/>
           <p:cNvSpPr/>
           <p:nvPr/>
         </p:nvSpPr>
         <p:spPr>
           <a:xfrm>
-            <a:off x="4285397" y="1147252"/>
+            <a:off x="3614521" y="2127953"/>
             <a:ext cx="2088107" cy="367645"/>
           </a:xfrm>
           <a:prstGeom prst="rect">
@@ -3715,11 +3830,11 @@
             <a:pPr algn="ctr"/>
             <a:r>
               <a:rPr lang="en-US" altLang="zh-CN" dirty="0" err="1" smtClean="0"/>
-              <a:t>springboot</a:t>
-            </a:r>
-            <a:r>
-              <a:rPr lang="en-US" altLang="zh-CN" dirty="0" err="1" smtClean="0"/>
-              <a:t>-auth</a:t>
+              <a:t>dohko</a:t>
+            </a:r>
+            <a:r>
+              <a:rPr lang="en-US" altLang="zh-CN" dirty="0" smtClean="0"/>
+              <a:t>-trade</a:t>
             </a:r>
             <a:endParaRPr lang="zh-CN" altLang="en-US" dirty="0"/>
           </a:p>
@@ -3727,61 +3842,13 @@
       </p:sp>
       <p:sp>
         <p:nvSpPr>
-          <p:cNvPr id="23" name="矩形 22"/>
+          <p:cNvPr id="26" name="矩形 25"/>
           <p:cNvSpPr/>
           <p:nvPr/>
         </p:nvSpPr>
         <p:spPr>
           <a:xfrm>
-            <a:off x="6782948" y="1147251"/>
-            <a:ext cx="2620377" cy="367645"/>
-          </a:xfrm>
-          <a:prstGeom prst="rect">
-            <a:avLst/>
-          </a:prstGeom>
-        </p:spPr>
-        <p:style>
-          <a:lnRef idx="2">
-            <a:schemeClr val="accent1">
-              <a:shade val="50000"/>
-            </a:schemeClr>
-          </a:lnRef>
-          <a:fillRef idx="1">
-            <a:schemeClr val="accent1"/>
-          </a:fillRef>
-          <a:effectRef idx="0">
-            <a:schemeClr val="accent1"/>
-          </a:effectRef>
-          <a:fontRef idx="minor">
-            <a:schemeClr val="lt1"/>
-          </a:fontRef>
-        </p:style>
-        <p:txBody>
-          <a:bodyPr rtlCol="0" anchor="ctr"/>
-          <a:lstStyle/>
-          <a:p>
-            <a:pPr algn="ctr"/>
-            <a:r>
-              <a:rPr lang="en-US" altLang="zh-CN" dirty="0" err="1" smtClean="0"/>
-              <a:t>Springboot</a:t>
-            </a:r>
-            <a:r>
-              <a:rPr lang="en-US" altLang="zh-CN" dirty="0" smtClean="0"/>
-              <a:t>-info</a:t>
-            </a:r>
-            <a:endParaRPr lang="zh-CN" altLang="en-US" dirty="0"/>
-          </a:p>
-        </p:txBody>
-      </p:sp>
-      <p:sp>
-        <p:nvSpPr>
-          <p:cNvPr id="24" name="矩形 23"/>
-          <p:cNvSpPr/>
-          <p:nvPr/>
-        </p:nvSpPr>
-        <p:spPr>
-          <a:xfrm>
-            <a:off x="1746903" y="3093480"/>
+            <a:off x="8118337" y="2125513"/>
             <a:ext cx="2088107" cy="367645"/>
           </a:xfrm>
           <a:prstGeom prst="rect">
@@ -3811,11 +3878,11 @@
             <a:pPr algn="ctr"/>
             <a:r>
               <a:rPr lang="en-US" altLang="zh-CN" dirty="0" err="1" smtClean="0"/>
-              <a:t>dubbo</a:t>
+              <a:t>dohko</a:t>
             </a:r>
             <a:r>
               <a:rPr lang="en-US" altLang="zh-CN" dirty="0" smtClean="0"/>
-              <a:t>-order</a:t>
+              <a:t>-info</a:t>
             </a:r>
             <a:endParaRPr lang="zh-CN" altLang="en-US" dirty="0"/>
           </a:p>
@@ -3823,13 +3890,13 @@
       </p:sp>
       <p:sp>
         <p:nvSpPr>
-          <p:cNvPr id="25" name="矩形 24"/>
+          <p:cNvPr id="27" name="矩形 26"/>
           <p:cNvSpPr/>
           <p:nvPr/>
         </p:nvSpPr>
         <p:spPr>
           <a:xfrm>
-            <a:off x="4026065" y="3093480"/>
+            <a:off x="3733939" y="4152294"/>
             <a:ext cx="2088107" cy="367645"/>
           </a:xfrm>
           <a:prstGeom prst="rect">
@@ -3859,11 +3926,11 @@
             <a:pPr algn="ctr"/>
             <a:r>
               <a:rPr lang="en-US" altLang="zh-CN" dirty="0" err="1" smtClean="0"/>
-              <a:t>dubbo</a:t>
+              <a:t>dohko</a:t>
             </a:r>
             <a:r>
               <a:rPr lang="en-US" altLang="zh-CN" dirty="0" smtClean="0"/>
-              <a:t>-pay</a:t>
+              <a:t>-capture</a:t>
             </a:r>
             <a:endParaRPr lang="zh-CN" altLang="en-US" dirty="0"/>
           </a:p>
@@ -3871,13 +3938,13 @@
       </p:sp>
       <p:sp>
         <p:nvSpPr>
-          <p:cNvPr id="26" name="矩形 25"/>
+          <p:cNvPr id="28" name="矩形 27"/>
           <p:cNvSpPr/>
           <p:nvPr/>
         </p:nvSpPr>
         <p:spPr>
           <a:xfrm>
-            <a:off x="6346219" y="3093479"/>
+            <a:off x="1440686" y="4146471"/>
             <a:ext cx="2088107" cy="367645"/>
           </a:xfrm>
           <a:prstGeom prst="rect">
@@ -3907,13 +3974,239 @@
             <a:pPr algn="ctr"/>
             <a:r>
               <a:rPr lang="en-US" altLang="zh-CN" dirty="0" err="1" smtClean="0"/>
-              <a:t>dubbo</a:t>
-            </a:r>
-            <a:r>
-              <a:rPr lang="en-US" altLang="zh-CN" smtClean="0"/>
-              <a:t>-info</a:t>
+              <a:t>dohko</a:t>
+            </a:r>
+            <a:r>
+              <a:rPr lang="en-US" altLang="zh-CN" dirty="0" smtClean="0"/>
+              <a:t>-expert</a:t>
             </a:r>
             <a:endParaRPr lang="zh-CN" altLang="en-US" dirty="0"/>
+          </a:p>
+        </p:txBody>
+      </p:sp>
+      <p:sp>
+        <p:nvSpPr>
+          <p:cNvPr id="29" name="矩形 28"/>
+          <p:cNvSpPr/>
+          <p:nvPr/>
+        </p:nvSpPr>
+        <p:spPr>
+          <a:xfrm>
+            <a:off x="5866429" y="2133108"/>
+            <a:ext cx="2088107" cy="367645"/>
+          </a:xfrm>
+          <a:prstGeom prst="rect">
+            <a:avLst/>
+          </a:prstGeom>
+        </p:spPr>
+        <p:style>
+          <a:lnRef idx="2">
+            <a:schemeClr val="accent1">
+              <a:shade val="50000"/>
+            </a:schemeClr>
+          </a:lnRef>
+          <a:fillRef idx="1">
+            <a:schemeClr val="accent1"/>
+          </a:fillRef>
+          <a:effectRef idx="0">
+            <a:schemeClr val="accent1"/>
+          </a:effectRef>
+          <a:fontRef idx="minor">
+            <a:schemeClr val="lt1"/>
+          </a:fontRef>
+        </p:style>
+        <p:txBody>
+          <a:bodyPr rtlCol="0" anchor="ctr"/>
+          <a:lstStyle/>
+          <a:p>
+            <a:pPr algn="ctr"/>
+            <a:r>
+              <a:rPr lang="en-US" altLang="zh-CN" dirty="0" err="1" smtClean="0"/>
+              <a:t>dohko</a:t>
+            </a:r>
+            <a:r>
+              <a:rPr lang="en-US" altLang="zh-CN" dirty="0" smtClean="0"/>
+              <a:t>-ticket</a:t>
+            </a:r>
+            <a:endParaRPr lang="zh-CN" altLang="en-US" dirty="0"/>
+          </a:p>
+        </p:txBody>
+      </p:sp>
+      <p:sp>
+        <p:nvSpPr>
+          <p:cNvPr id="30" name="矩形 29"/>
+          <p:cNvSpPr/>
+          <p:nvPr/>
+        </p:nvSpPr>
+        <p:spPr>
+          <a:xfrm>
+            <a:off x="6030230" y="4146470"/>
+            <a:ext cx="2088107" cy="367645"/>
+          </a:xfrm>
+          <a:prstGeom prst="rect">
+            <a:avLst/>
+          </a:prstGeom>
+        </p:spPr>
+        <p:style>
+          <a:lnRef idx="2">
+            <a:schemeClr val="accent1">
+              <a:shade val="50000"/>
+            </a:schemeClr>
+          </a:lnRef>
+          <a:fillRef idx="1">
+            <a:schemeClr val="accent1"/>
+          </a:fillRef>
+          <a:effectRef idx="0">
+            <a:schemeClr val="accent1"/>
+          </a:effectRef>
+          <a:fontRef idx="minor">
+            <a:schemeClr val="lt1"/>
+          </a:fontRef>
+        </p:style>
+        <p:txBody>
+          <a:bodyPr rtlCol="0" anchor="ctr"/>
+          <a:lstStyle/>
+          <a:p>
+            <a:pPr algn="ctr"/>
+            <a:r>
+              <a:rPr lang="en-US" altLang="zh-CN" dirty="0" err="1" smtClean="0"/>
+              <a:t>dohko</a:t>
+            </a:r>
+            <a:r>
+              <a:rPr lang="en-US" altLang="zh-CN" dirty="0" smtClean="0"/>
+              <a:t>-acct</a:t>
+            </a:r>
+            <a:endParaRPr lang="zh-CN" altLang="en-US" dirty="0"/>
+          </a:p>
+        </p:txBody>
+      </p:sp>
+      <p:sp>
+        <p:nvSpPr>
+          <p:cNvPr id="31" name="矩形 30"/>
+          <p:cNvSpPr/>
+          <p:nvPr/>
+        </p:nvSpPr>
+        <p:spPr>
+          <a:xfrm>
+            <a:off x="1400194" y="2782716"/>
+            <a:ext cx="2088107" cy="367645"/>
+          </a:xfrm>
+          <a:prstGeom prst="rect">
+            <a:avLst/>
+          </a:prstGeom>
+        </p:spPr>
+        <p:style>
+          <a:lnRef idx="2">
+            <a:schemeClr val="accent1">
+              <a:shade val="50000"/>
+            </a:schemeClr>
+          </a:lnRef>
+          <a:fillRef idx="1">
+            <a:schemeClr val="accent1"/>
+          </a:fillRef>
+          <a:effectRef idx="0">
+            <a:schemeClr val="accent1"/>
+          </a:effectRef>
+          <a:fontRef idx="minor">
+            <a:schemeClr val="lt1"/>
+          </a:fontRef>
+        </p:style>
+        <p:txBody>
+          <a:bodyPr rtlCol="0" anchor="ctr"/>
+          <a:lstStyle/>
+          <a:p>
+            <a:pPr algn="ctr"/>
+            <a:r>
+              <a:rPr lang="en-US" altLang="zh-CN" dirty="0" err="1" smtClean="0"/>
+              <a:t>dohko-thirdpay</a:t>
+            </a:r>
+            <a:endParaRPr lang="zh-CN" altLang="en-US" dirty="0"/>
+          </a:p>
+        </p:txBody>
+      </p:sp>
+      <p:sp>
+        <p:nvSpPr>
+          <p:cNvPr id="32" name="矩形 31"/>
+          <p:cNvSpPr/>
+          <p:nvPr/>
+        </p:nvSpPr>
+        <p:spPr>
+          <a:xfrm>
+            <a:off x="1372899" y="5591642"/>
+            <a:ext cx="2088107" cy="367645"/>
+          </a:xfrm>
+          <a:prstGeom prst="rect">
+            <a:avLst/>
+          </a:prstGeom>
+        </p:spPr>
+        <p:style>
+          <a:lnRef idx="2">
+            <a:schemeClr val="accent1">
+              <a:shade val="50000"/>
+            </a:schemeClr>
+          </a:lnRef>
+          <a:fillRef idx="1">
+            <a:schemeClr val="accent1"/>
+          </a:fillRef>
+          <a:effectRef idx="0">
+            <a:schemeClr val="accent1"/>
+          </a:effectRef>
+          <a:fontRef idx="minor">
+            <a:schemeClr val="lt1"/>
+          </a:fontRef>
+        </p:style>
+        <p:txBody>
+          <a:bodyPr rtlCol="0" anchor="ctr"/>
+          <a:lstStyle/>
+          <a:p>
+            <a:pPr algn="ctr"/>
+            <a:r>
+              <a:rPr lang="en-US" altLang="zh-CN" dirty="0" err="1"/>
+              <a:t>d</a:t>
+            </a:r>
+            <a:r>
+              <a:rPr lang="en-US" altLang="zh-CN" dirty="0" err="1" smtClean="0"/>
+              <a:t>ohko</a:t>
+            </a:r>
+            <a:r>
+              <a:rPr lang="en-US" altLang="zh-CN" dirty="0" smtClean="0"/>
+              <a:t>-backend</a:t>
+            </a:r>
+            <a:endParaRPr lang="zh-CN" altLang="en-US" dirty="0"/>
+          </a:p>
+        </p:txBody>
+      </p:sp>
+      <p:sp>
+        <p:nvSpPr>
+          <p:cNvPr id="34" name="文本框 33"/>
+          <p:cNvSpPr txBox="1"/>
+          <p:nvPr/>
+        </p:nvSpPr>
+        <p:spPr>
+          <a:xfrm>
+            <a:off x="1236839" y="3665524"/>
+            <a:ext cx="1746913" cy="369332"/>
+          </a:xfrm>
+          <a:prstGeom prst="rect">
+            <a:avLst/>
+          </a:prstGeom>
+          <a:noFill/>
+        </p:spPr>
+        <p:txBody>
+          <a:bodyPr wrap="square" rtlCol="0">
+            <a:spAutoFit/>
+          </a:bodyPr>
+          <a:lstStyle/>
+          <a:p>
+            <a:r>
+              <a:rPr lang="en-US" altLang="zh-CN" dirty="0" smtClean="0"/>
+              <a:t>basic</a:t>
+            </a:r>
+            <a:r>
+              <a:rPr lang="en-US" altLang="zh-CN" dirty="0" smtClean="0"/>
+              <a:t>-service</a:t>
+            </a:r>
+            <a:endParaRPr lang="en-US" altLang="zh-CN" dirty="0" smtClean="0"/>
           </a:p>
         </p:txBody>
       </p:sp>
@@ -3921,6 +4214,67 @@
     <p:extLst>
       <p:ext uri="{BB962C8B-B14F-4D97-AF65-F5344CB8AC3E}">
         <p14:creationId xmlns:p14="http://schemas.microsoft.com/office/powerpoint/2010/main" val="2434341034"/>
+      </p:ext>
+    </p:extLst>
+  </p:cSld>
+  <p:clrMapOvr>
+    <a:masterClrMapping/>
+  </p:clrMapOvr>
+</p:sld>
+</file>
+
+<file path=ppt/slides/slide5.xml><?xml version="1.0" encoding="utf-8"?>
+<p:sld xmlns:a="http://schemas.openxmlformats.org/drawingml/2006/main" xmlns:r="http://schemas.openxmlformats.org/officeDocument/2006/relationships" xmlns:p="http://schemas.openxmlformats.org/presentationml/2006/main">
+  <p:cSld>
+    <p:spTree>
+      <p:nvGrpSpPr>
+        <p:cNvPr id="1" name=""/>
+        <p:cNvGrpSpPr/>
+        <p:nvPr/>
+      </p:nvGrpSpPr>
+      <p:grpSpPr>
+        <a:xfrm>
+          <a:off x="0" y="0"/>
+          <a:ext cx="0" cy="0"/>
+          <a:chOff x="0" y="0"/>
+          <a:chExt cx="0" cy="0"/>
+        </a:xfrm>
+      </p:grpSpPr>
+      <p:sp>
+        <p:nvSpPr>
+          <p:cNvPr id="2" name="标题 1"/>
+          <p:cNvSpPr>
+            <a:spLocks noGrp="1"/>
+          </p:cNvSpPr>
+          <p:nvPr>
+            <p:ph type="title"/>
+          </p:nvPr>
+        </p:nvSpPr>
+        <p:spPr/>
+        <p:txBody>
+          <a:bodyPr/>
+          <a:lstStyle/>
+          <a:p>
+            <a:r>
+              <a:rPr kumimoji="1" lang="en-US" altLang="zh-CN" dirty="0" smtClean="0"/>
+              <a:t>Data</a:t>
+            </a:r>
+            <a:r>
+              <a:rPr kumimoji="1" lang="zh-CN" altLang="en-US" dirty="0" smtClean="0"/>
+              <a:t> </a:t>
+            </a:r>
+            <a:r>
+              <a:rPr kumimoji="1" lang="en-US" altLang="zh-CN" dirty="0" smtClean="0"/>
+              <a:t>transfer</a:t>
+            </a:r>
+            <a:endParaRPr kumimoji="1" lang="zh-CN" altLang="en-US" dirty="0"/>
+          </a:p>
+        </p:txBody>
+      </p:sp>
+    </p:spTree>
+    <p:extLst>
+      <p:ext uri="{BB962C8B-B14F-4D97-AF65-F5344CB8AC3E}">
+        <p14:creationId xmlns:p14="http://schemas.microsoft.com/office/powerpoint/2010/main" val="1405820095"/>
       </p:ext>
     </p:extLst>
   </p:cSld>
